--- a/练佳威_个人简历.pptx
+++ b/练佳威_个人简历.pptx
@@ -4683,13 +4683,7 @@
       </p:grpSpPr>
       <p:cxnSp>
         <p:nvCxnSpPr>
-          <p:cNvPr id="6" name="直接连接符 5">
-            <a:extLst>
-              <a:ext uri="{FF2B5EF4-FFF2-40B4-BE49-F238E27FC236}">
-                <a16:creationId xmlns:a16="http://schemas.microsoft.com/office/drawing/2014/main" id="{879A253F-FF1D-A00F-179B-806B0E425CC8}"/>
-              </a:ext>
-            </a:extLst>
-          </p:cNvPr>
+          <p:cNvPr id="100" name="Line1"/>
           <p:cNvCxnSpPr>
             <a:cxnSpLocks/>
           </p:cNvCxnSpPr>
@@ -4726,13 +4720,7 @@
       </p:cxnSp>
       <p:sp>
         <p:nvSpPr>
-          <p:cNvPr id="7" name="文本框 6">
-            <a:extLst>
-              <a:ext uri="{FF2B5EF4-FFF2-40B4-BE49-F238E27FC236}">
-                <a16:creationId xmlns:a16="http://schemas.microsoft.com/office/drawing/2014/main" id="{660B6199-716D-ECF7-9AE8-6FC457944BAF}"/>
-              </a:ext>
-            </a:extLst>
-          </p:cNvPr>
+          <p:cNvPr id="101" name="Title"/>
           <p:cNvSpPr txBox="1"/>
           <p:nvPr/>
         </p:nvSpPr>
@@ -4761,6 +4749,684 @@
                 <a:ea typeface="微软雅黑" panose="020B0503020204020204" pitchFamily="34" charset="-122"/>
               </a:rPr>
               <a:t>项目经验</a:t>
+            </a:r>
+          </a:p>
+        </p:txBody>
+      </p:sp>
+      <p:sp>
+        <p:nvSpPr>
+          <p:cNvPr id="102" name="Project1Title"/>
+          <p:cNvSpPr txBox="1"/>
+          <p:nvPr/>
+        </p:nvSpPr>
+        <p:spPr>
+          <a:xfrm>
+            <a:off x="124691" y="736000"/>
+            <a:ext cx="6587835" cy="338554"/>
+          </a:xfrm>
+          <a:prstGeom prst="rect">
+            <a:avLst/>
+          </a:prstGeom>
+          <a:noFill/>
+        </p:spPr>
+        <p:txBody>
+          <a:bodyPr wrap="square" rtlCol="0">
+            <a:spAutoFit/>
+          </a:bodyPr>
+          <a:lstStyle/>
+          <a:p>
+            <a:r>
+              <a:rPr lang="zh-CN" altLang="en-US" sz="1600" b="1" dirty="0">
+                <a:solidFill>
+                  <a:schemeClr val="tx2"/>
+                </a:solidFill>
+                <a:latin typeface="微软雅黑" panose="020B0503020204020204" pitchFamily="34" charset="-122"/>
+                <a:ea typeface="微软雅黑" panose="020B0503020204020204" pitchFamily="34" charset="-122"/>
+              </a:rPr>
+              <a:t>华为行业 AI 2.0 智能化转型方案</a:t>
+            </a:r>
+          </a:p>
+        </p:txBody>
+      </p:sp>
+      <p:sp>
+        <p:nvSpPr>
+          <p:cNvPr id="103" name="Project1Body"/>
+          <p:cNvSpPr txBox="1"/>
+          <p:nvPr/>
+        </p:nvSpPr>
+        <p:spPr>
+          <a:xfrm>
+            <a:off x="124691" y="1074554"/>
+            <a:ext cx="6587835" cy="1500000"/>
+          </a:xfrm>
+          <a:prstGeom prst="rect">
+            <a:avLst/>
+          </a:prstGeom>
+          <a:noFill/>
+        </p:spPr>
+        <p:txBody>
+          <a:bodyPr wrap="square" rtlCol="0">
+            <a:spAutoFit/>
+          </a:bodyPr>
+          <a:lstStyle/>
+          <a:p>
+            <a:pPr>
+              <a:lnSpc>
+                <a:spcPct val="120000"/>
+              </a:lnSpc>
+            </a:pPr>
+            <a:r>
+              <a:rPr lang="zh-CN" altLang="en-US" sz="1200" b="1" dirty="0">
+                <a:latin typeface="微软雅黑" panose="020B0503020204020204" pitchFamily="34" charset="-122"/>
+                <a:ea typeface="微软雅黑" panose="020B0503020204020204" pitchFamily="34" charset="-122"/>
+              </a:rPr>
+              <a:t>项目背景：</a:t>
+            </a:r>
+            <a:r>
+              <a:rPr lang="zh-CN" altLang="en-US" sz="1200" dirty="0">
+                <a:latin typeface="微软雅黑" panose="020B0503020204020204" pitchFamily="34" charset="-122"/>
+                <a:ea typeface="微软雅黑" panose="020B0503020204020204" pitchFamily="34" charset="-122"/>
+              </a:rPr>
+              <a:t>面向油气、管网、电力、钢铁等央国企，推动 AI 智能化转型</a:t>
+            </a:r>
+          </a:p>
+          <a:p>
+            <a:pPr>
+              <a:lnSpc>
+                <a:spcPct val="120000"/>
+              </a:lnSpc>
+            </a:pPr>
+            <a:r>
+              <a:rPr lang="zh-CN" altLang="en-US" sz="1200" b="1" dirty="0">
+                <a:latin typeface="微软雅黑" panose="020B0503020204020204" pitchFamily="34" charset="-122"/>
+                <a:ea typeface="微软雅黑" panose="020B0503020204020204" pitchFamily="34" charset="-122"/>
+              </a:rPr>
+              <a:t>职责角色：</a:t>
+            </a:r>
+            <a:r>
+              <a:rPr lang="zh-CN" altLang="en-US" sz="1200" dirty="0">
+                <a:latin typeface="微软雅黑" panose="020B0503020204020204" pitchFamily="34" charset="-122"/>
+                <a:ea typeface="微软雅黑" panose="020B0503020204020204" pitchFamily="34" charset="-122"/>
+              </a:rPr>
+              <a:t>方案架构师，负责0到1方案孵化与设计</a:t>
+            </a:r>
+          </a:p>
+          <a:p>
+            <a:pPr>
+              <a:lnSpc>
+                <a:spcPct val="120000"/>
+              </a:lnSpc>
+            </a:pPr>
+            <a:r>
+              <a:rPr lang="zh-CN" altLang="en-US" sz="1200" b="1" dirty="0">
+                <a:latin typeface="微软雅黑" panose="020B0503020204020204" pitchFamily="34" charset="-122"/>
+                <a:ea typeface="微软雅黑" panose="020B0503020204020204" pitchFamily="34" charset="-122"/>
+              </a:rPr>
+              <a:t>核心工作：</a:t>
+            </a:r>
+            <a:r>
+              <a:rPr lang="zh-CN" altLang="en-US" sz="1200" dirty="0">
+                <a:latin typeface="微软雅黑" panose="020B0503020204020204" pitchFamily="34" charset="-122"/>
+                <a:ea typeface="微软雅黑" panose="020B0503020204020204" pitchFamily="34" charset="-122"/>
+              </a:rPr>
+              <a:t>将华为大模型能力（NLP、CV、预测、气象）转化为场景化解决方案；主导行业 Top 生态伙伴联合方案构建；在工业互联网、智慧矿山、智慧交通等领域落地</a:t>
+            </a:r>
+          </a:p>
+          <a:p>
+            <a:pPr>
+              <a:lnSpc>
+                <a:spcPct val="120000"/>
+              </a:lnSpc>
+            </a:pPr>
+            <a:r>
+              <a:rPr lang="zh-CN" altLang="en-US" sz="1200" b="1" dirty="0">
+                <a:latin typeface="微软雅黑" panose="020B0503020204020204" pitchFamily="34" charset="-122"/>
+                <a:ea typeface="微软雅黑" panose="020B0503020204020204" pitchFamily="34" charset="-122"/>
+              </a:rPr>
+              <a:t>项目成果：</a:t>
+            </a:r>
+            <a:r>
+              <a:rPr lang="zh-CN" altLang="en-US" sz="1200" dirty="0">
+                <a:latin typeface="微软雅黑" panose="020B0503020204020204" pitchFamily="34" charset="-122"/>
+                <a:ea typeface="微软雅黑" panose="020B0503020204020204" pitchFamily="34" charset="-122"/>
+              </a:rPr>
+              <a:t>支撑多个千万级云项目的业务闭环，实现 AI 技术与核心业务流程深度融合</a:t>
+            </a:r>
+          </a:p>
+        </p:txBody>
+      </p:sp>
+      <p:sp>
+        <p:nvSpPr>
+          <p:cNvPr id="104" name="Project2Title"/>
+          <p:cNvSpPr txBox="1"/>
+          <p:nvPr/>
+        </p:nvSpPr>
+        <p:spPr>
+          <a:xfrm>
+            <a:off x="124691" y="2650000"/>
+            <a:ext cx="6587835" cy="338554"/>
+          </a:xfrm>
+          <a:prstGeom prst="rect">
+            <a:avLst/>
+          </a:prstGeom>
+          <a:noFill/>
+        </p:spPr>
+        <p:txBody>
+          <a:bodyPr wrap="square" rtlCol="0">
+            <a:spAutoFit/>
+          </a:bodyPr>
+          <a:lstStyle/>
+          <a:p>
+            <a:r>
+              <a:rPr lang="en-US" altLang="zh-CN" sz="1600" b="1" dirty="0">
+                <a:solidFill>
+                  <a:schemeClr val="tx2"/>
+                </a:solidFill>
+                <a:latin typeface="微软雅黑" panose="020B0503020204020204" pitchFamily="34" charset="-122"/>
+                <a:ea typeface="微软雅黑" panose="020B0503020204020204" pitchFamily="34" charset="-122"/>
+              </a:rPr>
+              <a:t>OCPX </a:t>
+            </a:r>
+            <a:r>
+              <a:rPr lang="zh-CN" altLang="en-US" sz="1600" b="1" dirty="0">
+                <a:solidFill>
+                  <a:schemeClr val="tx2"/>
+                </a:solidFill>
+                <a:latin typeface="微软雅黑" panose="020B0503020204020204" pitchFamily="34" charset="-122"/>
+                <a:ea typeface="微软雅黑" panose="020B0503020204020204" pitchFamily="34" charset="-122"/>
+              </a:rPr>
+              <a:t>广告竞价算法引擎</a:t>
+            </a:r>
+          </a:p>
+        </p:txBody>
+      </p:sp>
+      <p:sp>
+        <p:nvSpPr>
+          <p:cNvPr id="105" name="Project2Body"/>
+          <p:cNvSpPr txBox="1"/>
+          <p:nvPr/>
+        </p:nvSpPr>
+        <p:spPr>
+          <a:xfrm>
+            <a:off x="124691" y="2988554"/>
+            <a:ext cx="6587835" cy="1500000"/>
+          </a:xfrm>
+          <a:prstGeom prst="rect">
+            <a:avLst/>
+          </a:prstGeom>
+          <a:noFill/>
+        </p:spPr>
+        <p:txBody>
+          <a:bodyPr wrap="square" rtlCol="0">
+            <a:spAutoFit/>
+          </a:bodyPr>
+          <a:lstStyle/>
+          <a:p>
+            <a:pPr>
+              <a:lnSpc>
+                <a:spcPct val="120000"/>
+              </a:lnSpc>
+            </a:pPr>
+            <a:r>
+              <a:rPr lang="zh-CN" altLang="en-US" sz="1200" b="1" dirty="0">
+                <a:latin typeface="微软雅黑" panose="020B0503020204020204" pitchFamily="34" charset="-122"/>
+                <a:ea typeface="微软雅黑" panose="020B0503020204020204" pitchFamily="34" charset="-122"/>
+              </a:rPr>
+              <a:t>项目背景：</a:t>
+            </a:r>
+            <a:r>
+              <a:rPr lang="zh-CN" altLang="en-US" sz="1200" dirty="0">
+                <a:latin typeface="微软雅黑" panose="020B0503020204020204" pitchFamily="34" charset="-122"/>
+                <a:ea typeface="微软雅黑" panose="020B0503020204020204" pitchFamily="34" charset="-122"/>
+              </a:rPr>
+              <a:t>华为终端广告平台核心竞价系统</a:t>
+            </a:r>
+          </a:p>
+          <a:p>
+            <a:pPr>
+              <a:lnSpc>
+                <a:spcPct val="120000"/>
+              </a:lnSpc>
+            </a:pPr>
+            <a:r>
+              <a:rPr lang="zh-CN" altLang="en-US" sz="1200" b="1" dirty="0">
+                <a:latin typeface="微软雅黑" panose="020B0503020204020204" pitchFamily="34" charset="-122"/>
+                <a:ea typeface="微软雅黑" panose="020B0503020204020204" pitchFamily="34" charset="-122"/>
+              </a:rPr>
+              <a:t>职责角色：</a:t>
+            </a:r>
+            <a:r>
+              <a:rPr lang="zh-CN" altLang="en-US" sz="1200" dirty="0">
+                <a:latin typeface="微软雅黑" panose="020B0503020204020204" pitchFamily="34" charset="-122"/>
+                <a:ea typeface="微软雅黑" panose="020B0503020204020204" pitchFamily="34" charset="-122"/>
+              </a:rPr>
+              <a:t>算法微服务开发工程师</a:t>
+            </a:r>
+          </a:p>
+          <a:p>
+            <a:pPr>
+              <a:lnSpc>
+                <a:spcPct val="120000"/>
+              </a:lnSpc>
+            </a:pPr>
+            <a:r>
+              <a:rPr lang="zh-CN" altLang="en-US" sz="1200" b="1" dirty="0">
+                <a:latin typeface="微软雅黑" panose="020B0503020204020204" pitchFamily="34" charset="-122"/>
+                <a:ea typeface="微软雅黑" panose="020B0503020204020204" pitchFamily="34" charset="-122"/>
+              </a:rPr>
+              <a:t>核心工作：</a:t>
+            </a:r>
+            <a:r>
+              <a:rPr lang="zh-CN" altLang="en-US" sz="1200" dirty="0">
+                <a:latin typeface="微软雅黑" panose="020B0503020204020204" pitchFamily="34" charset="-122"/>
+                <a:ea typeface="微软雅黑" panose="020B0503020204020204" pitchFamily="34" charset="-122"/>
+              </a:rPr>
+              <a:t>主导百亿级请求（峰值 30w+ QPS）OCPX 架构演进；负责 PCVR 推理引擎与 PID 调控算法工程落地；高性能并发框架与多级缓存优化</a:t>
+            </a:r>
+          </a:p>
+          <a:p>
+            <a:pPr>
+              <a:lnSpc>
+                <a:spcPct val="120000"/>
+              </a:lnSpc>
+            </a:pPr>
+            <a:r>
+              <a:rPr lang="zh-CN" altLang="en-US" sz="1200" b="1" dirty="0">
+                <a:latin typeface="微软雅黑" panose="020B0503020204020204" pitchFamily="34" charset="-122"/>
+                <a:ea typeface="微软雅黑" panose="020B0503020204020204" pitchFamily="34" charset="-122"/>
+              </a:rPr>
+              <a:t>项目成果：</a:t>
+            </a:r>
+            <a:r>
+              <a:rPr lang="en-US" altLang="zh-CN" sz="1200" dirty="0">
+                <a:latin typeface="微软雅黑" panose="020B0503020204020204" pitchFamily="34" charset="-122"/>
+                <a:ea typeface="微软雅黑" panose="020B0503020204020204" pitchFamily="34" charset="-122"/>
+              </a:rPr>
+              <a:t>TP99 &lt; 10ms</a:t>
+            </a:r>
+            <a:r>
+              <a:rPr lang="zh-CN" altLang="en-US" sz="1200" dirty="0">
+                <a:latin typeface="微软雅黑" panose="020B0503020204020204" pitchFamily="34" charset="-122"/>
+                <a:ea typeface="微软雅黑" panose="020B0503020204020204" pitchFamily="34" charset="-122"/>
+              </a:rPr>
+              <a:t>，</a:t>
+            </a:r>
+            <a:r>
+              <a:rPr lang="en-US" altLang="zh-CN" sz="1200" dirty="0">
+                <a:latin typeface="微软雅黑" panose="020B0503020204020204" pitchFamily="34" charset="-122"/>
+                <a:ea typeface="微软雅黑" panose="020B0503020204020204" pitchFamily="34" charset="-122"/>
+              </a:rPr>
+              <a:t>99.99% </a:t>
+            </a:r>
+            <a:r>
+              <a:rPr lang="zh-CN" altLang="en-US" sz="1200" dirty="0">
+                <a:latin typeface="微软雅黑" panose="020B0503020204020204" pitchFamily="34" charset="-122"/>
+                <a:ea typeface="微软雅黑" panose="020B0503020204020204" pitchFamily="34" charset="-122"/>
+              </a:rPr>
+              <a:t>可用性，CPA 达标前提下驱动平台消耗显著增长</a:t>
+            </a:r>
+          </a:p>
+        </p:txBody>
+      </p:sp>
+      <p:sp>
+        <p:nvSpPr>
+          <p:cNvPr id="106" name="Project3Title"/>
+          <p:cNvSpPr txBox="1"/>
+          <p:nvPr/>
+        </p:nvSpPr>
+        <p:spPr>
+          <a:xfrm>
+            <a:off x="124691" y="4564000"/>
+            <a:ext cx="6587835" cy="338554"/>
+          </a:xfrm>
+          <a:prstGeom prst="rect">
+            <a:avLst/>
+          </a:prstGeom>
+          <a:noFill/>
+        </p:spPr>
+        <p:txBody>
+          <a:bodyPr wrap="square" rtlCol="0">
+            <a:spAutoFit/>
+          </a:bodyPr>
+          <a:lstStyle/>
+          <a:p>
+            <a:r>
+              <a:rPr lang="zh-CN" altLang="en-US" sz="1600" b="1" dirty="0">
+                <a:solidFill>
+                  <a:schemeClr val="tx2"/>
+                </a:solidFill>
+                <a:latin typeface="微软雅黑" panose="020B0503020204020204" pitchFamily="34" charset="-122"/>
+                <a:ea typeface="微软雅黑" panose="020B0503020204020204" pitchFamily="34" charset="-122"/>
+              </a:rPr>
+              <a:t>企业 OT/IT 数据融合治理平台</a:t>
+            </a:r>
+          </a:p>
+        </p:txBody>
+      </p:sp>
+      <p:sp>
+        <p:nvSpPr>
+          <p:cNvPr id="107" name="Project3Body"/>
+          <p:cNvSpPr txBox="1"/>
+          <p:nvPr/>
+        </p:nvSpPr>
+        <p:spPr>
+          <a:xfrm>
+            <a:off x="124691" y="4902554"/>
+            <a:ext cx="6587835" cy="1500000"/>
+          </a:xfrm>
+          <a:prstGeom prst="rect">
+            <a:avLst/>
+          </a:prstGeom>
+          <a:noFill/>
+        </p:spPr>
+        <p:txBody>
+          <a:bodyPr wrap="square" rtlCol="0">
+            <a:spAutoFit/>
+          </a:bodyPr>
+          <a:lstStyle/>
+          <a:p>
+            <a:pPr>
+              <a:lnSpc>
+                <a:spcPct val="120000"/>
+              </a:lnSpc>
+            </a:pPr>
+            <a:r>
+              <a:rPr lang="zh-CN" altLang="en-US" sz="1200" b="1" dirty="0">
+                <a:latin typeface="微软雅黑" panose="020B0503020204020204" pitchFamily="34" charset="-122"/>
+                <a:ea typeface="微软雅黑" panose="020B0503020204020204" pitchFamily="34" charset="-122"/>
+              </a:rPr>
+              <a:t>项目背景：</a:t>
+            </a:r>
+            <a:r>
+              <a:rPr lang="zh-CN" altLang="en-US" sz="1200" dirty="0">
+                <a:latin typeface="微软雅黑" panose="020B0503020204020204" pitchFamily="34" charset="-122"/>
+                <a:ea typeface="微软雅黑" panose="020B0503020204020204" pitchFamily="34" charset="-122"/>
+              </a:rPr>
+              <a:t>大型企业面临数据孤岛难题，需打通 OT 与 IT 数据</a:t>
+            </a:r>
+          </a:p>
+          <a:p>
+            <a:pPr>
+              <a:lnSpc>
+                <a:spcPct val="120000"/>
+              </a:lnSpc>
+            </a:pPr>
+            <a:r>
+              <a:rPr lang="zh-CN" altLang="en-US" sz="1200" b="1" dirty="0">
+                <a:latin typeface="微软雅黑" panose="020B0503020204020204" pitchFamily="34" charset="-122"/>
+                <a:ea typeface="微软雅黑" panose="020B0503020204020204" pitchFamily="34" charset="-122"/>
+              </a:rPr>
+              <a:t>职责角色：</a:t>
+            </a:r>
+            <a:r>
+              <a:rPr lang="zh-CN" altLang="en-US" sz="1200" dirty="0">
+                <a:latin typeface="微软雅黑" panose="020B0503020204020204" pitchFamily="34" charset="-122"/>
+                <a:ea typeface="微软雅黑" panose="020B0503020204020204" pitchFamily="34" charset="-122"/>
+              </a:rPr>
+              <a:t>方案设计负责人</a:t>
+            </a:r>
+          </a:p>
+          <a:p>
+            <a:pPr>
+              <a:lnSpc>
+                <a:spcPct val="120000"/>
+              </a:lnSpc>
+            </a:pPr>
+            <a:r>
+              <a:rPr lang="zh-CN" altLang="en-US" sz="1200" b="1" dirty="0">
+                <a:latin typeface="微软雅黑" panose="020B0503020204020204" pitchFamily="34" charset="-122"/>
+                <a:ea typeface="微软雅黑" panose="020B0503020204020204" pitchFamily="34" charset="-122"/>
+              </a:rPr>
+              <a:t>核心工作：</a:t>
+            </a:r>
+            <a:r>
+              <a:rPr lang="zh-CN" altLang="en-US" sz="1200" dirty="0">
+                <a:latin typeface="微软雅黑" panose="020B0503020204020204" pitchFamily="34" charset="-122"/>
+                <a:ea typeface="微软雅黑" panose="020B0503020204020204" pitchFamily="34" charset="-122"/>
+              </a:rPr>
+              <a:t>主导华为云 OT/IT 数据集成解决方案深化设计；构建行业高质量数据集与标准化集成规范；支撑跨系统、跨地域的全局数据协同</a:t>
+            </a:r>
+          </a:p>
+          <a:p>
+            <a:pPr>
+              <a:lnSpc>
+                <a:spcPct val="120000"/>
+              </a:lnSpc>
+            </a:pPr>
+            <a:r>
+              <a:rPr lang="zh-CN" altLang="en-US" sz="1200" b="1" dirty="0">
+                <a:latin typeface="微软雅黑" panose="020B0503020204020204" pitchFamily="34" charset="-122"/>
+                <a:ea typeface="微软雅黑" panose="020B0503020204020204" pitchFamily="34" charset="-122"/>
+              </a:rPr>
+              <a:t>项目成果：</a:t>
+            </a:r>
+            <a:r>
+              <a:rPr lang="zh-CN" altLang="en-US" sz="1200" dirty="0">
+                <a:latin typeface="微软雅黑" panose="020B0503020204020204" pitchFamily="34" charset="-122"/>
+                <a:ea typeface="微软雅黑" panose="020B0503020204020204" pitchFamily="34" charset="-122"/>
+              </a:rPr>
+              <a:t>为企业数智化转型提供稳健的数据基座，支撑全局数据协同与决策</a:t>
+            </a:r>
+          </a:p>
+        </p:txBody>
+      </p:sp>
+      <p:cxnSp>
+        <p:nvCxnSpPr>
+          <p:cNvPr id="108" name="Line2"/>
+          <p:cNvCxnSpPr>
+            <a:cxnSpLocks/>
+          </p:cNvCxnSpPr>
+          <p:nvPr/>
+        </p:nvCxnSpPr>
+        <p:spPr>
+          <a:xfrm>
+            <a:off x="124691" y="6550000"/>
+            <a:ext cx="6587836" cy="0"/>
+          </a:xfrm>
+          <a:prstGeom prst="line">
+            <a:avLst/>
+          </a:prstGeom>
+          <a:ln w="12700">
+            <a:solidFill>
+              <a:schemeClr val="tx1"/>
+            </a:solidFill>
+          </a:ln>
+        </p:spPr>
+        <p:style>
+          <a:lnRef idx="1">
+            <a:schemeClr val="accent1"/>
+          </a:lnRef>
+          <a:fillRef idx="0">
+            <a:schemeClr val="accent1"/>
+          </a:fillRef>
+          <a:effectRef idx="0">
+            <a:schemeClr val="accent1"/>
+          </a:effectRef>
+          <a:fontRef idx="minor">
+            <a:schemeClr val="tx1"/>
+          </a:fontRef>
+        </p:style>
+      </p:cxnSp>
+      <p:sp>
+        <p:nvSpPr>
+          <p:cNvPr id="109" name="SkillsTitle"/>
+          <p:cNvSpPr txBox="1"/>
+          <p:nvPr/>
+        </p:nvSpPr>
+        <p:spPr>
+          <a:xfrm>
+            <a:off x="124691" y="6580000"/>
+            <a:ext cx="2396836" cy="584775"/>
+          </a:xfrm>
+          <a:prstGeom prst="rect">
+            <a:avLst/>
+          </a:prstGeom>
+          <a:noFill/>
+        </p:spPr>
+        <p:txBody>
+          <a:bodyPr wrap="square" rtlCol="0">
+            <a:spAutoFit/>
+          </a:bodyPr>
+          <a:lstStyle/>
+          <a:p>
+            <a:r>
+              <a:rPr lang="zh-CN" altLang="en-US" sz="3200" b="1" dirty="0">
+                <a:solidFill>
+                  <a:schemeClr val="tx2"/>
+                </a:solidFill>
+                <a:latin typeface="微软雅黑" panose="020B0503020204020204" pitchFamily="34" charset="-122"/>
+                <a:ea typeface="微软雅黑" panose="020B0503020204020204" pitchFamily="34" charset="-122"/>
+              </a:rPr>
+              <a:t>技能清单</a:t>
+            </a:r>
+          </a:p>
+        </p:txBody>
+      </p:sp>
+      <p:sp>
+        <p:nvSpPr>
+          <p:cNvPr id="110" name="SkillsBody"/>
+          <p:cNvSpPr txBox="1"/>
+          <p:nvPr/>
+        </p:nvSpPr>
+        <p:spPr>
+          <a:xfrm>
+            <a:off x="124691" y="7200000"/>
+            <a:ext cx="6587835" cy="2500000"/>
+          </a:xfrm>
+          <a:prstGeom prst="rect">
+            <a:avLst/>
+          </a:prstGeom>
+          <a:noFill/>
+        </p:spPr>
+        <p:txBody>
+          <a:bodyPr wrap="square" rtlCol="0">
+            <a:spAutoFit/>
+          </a:bodyPr>
+          <a:lstStyle/>
+          <a:p>
+            <a:pPr>
+              <a:lnSpc>
+                <a:spcPct val="130000"/>
+              </a:lnSpc>
+            </a:pPr>
+            <a:r>
+              <a:rPr lang="zh-CN" altLang="en-US" sz="1200" b="1" dirty="0">
+                <a:latin typeface="微软雅黑" panose="020B0503020204020204" pitchFamily="34" charset="-122"/>
+                <a:ea typeface="微软雅黑" panose="020B0503020204020204" pitchFamily="34" charset="-122"/>
+              </a:rPr>
+              <a:t>云计算与架构：</a:t>
+            </a:r>
+            <a:r>
+              <a:rPr lang="zh-CN" altLang="en-US" sz="1200" dirty="0">
+                <a:latin typeface="微软雅黑" panose="020B0503020204020204" pitchFamily="34" charset="-122"/>
+                <a:ea typeface="微软雅黑" panose="020B0503020204020204" pitchFamily="34" charset="-122"/>
+              </a:rPr>
+              <a:t>混合云（HCS）、华为云产品组合方案设计与验证、微服务、高可用架构</a:t>
+            </a:r>
+          </a:p>
+          <a:p>
+            <a:pPr>
+              <a:lnSpc>
+                <a:spcPct val="130000"/>
+              </a:lnSpc>
+            </a:pPr>
+            <a:r>
+              <a:rPr lang="en-US" altLang="zh-CN" sz="1200" b="1" dirty="0">
+                <a:latin typeface="微软雅黑" panose="020B0503020204020204" pitchFamily="34" charset="-122"/>
+                <a:ea typeface="微软雅黑" panose="020B0503020204020204" pitchFamily="34" charset="-122"/>
+              </a:rPr>
+              <a:t>AI </a:t>
+            </a:r>
+            <a:r>
+              <a:rPr lang="zh-CN" altLang="en-US" sz="1200" b="1" dirty="0">
+                <a:latin typeface="微软雅黑" panose="020B0503020204020204" pitchFamily="34" charset="-122"/>
+                <a:ea typeface="微软雅黑" panose="020B0503020204020204" pitchFamily="34" charset="-122"/>
+              </a:rPr>
+              <a:t>与算法：</a:t>
+            </a:r>
+            <a:r>
+              <a:rPr lang="zh-CN" altLang="en-US" sz="1200" dirty="0">
+                <a:latin typeface="微软雅黑" panose="020B0503020204020204" pitchFamily="34" charset="-122"/>
+                <a:ea typeface="微软雅黑" panose="020B0503020204020204" pitchFamily="34" charset="-122"/>
+              </a:rPr>
+              <a:t>大模型（NLP/CV）、推荐系统、PCVR、PID 调控、机器学习</a:t>
+            </a:r>
+          </a:p>
+          <a:p>
+            <a:pPr>
+              <a:lnSpc>
+                <a:spcPct val="130000"/>
+              </a:lnSpc>
+            </a:pPr>
+            <a:r>
+              <a:rPr lang="zh-CN" altLang="en-US" sz="1200" b="1" dirty="0">
+                <a:latin typeface="微软雅黑" panose="020B0503020204020204" pitchFamily="34" charset="-122"/>
+                <a:ea typeface="微软雅黑" panose="020B0503020204020204" pitchFamily="34" charset="-122"/>
+              </a:rPr>
+              <a:t>数据技术：</a:t>
+            </a:r>
+            <a:r>
+              <a:rPr lang="zh-CN" altLang="en-US" sz="1200" dirty="0">
+                <a:latin typeface="微软雅黑" panose="020B0503020204020204" pitchFamily="34" charset="-122"/>
+                <a:ea typeface="微软雅黑" panose="020B0503020204020204" pitchFamily="34" charset="-122"/>
+              </a:rPr>
+              <a:t>大数据处理、数据治理、OT/IT 数据集成、实时数据处理</a:t>
+            </a:r>
+          </a:p>
+          <a:p>
+            <a:pPr>
+              <a:lnSpc>
+                <a:spcPct val="130000"/>
+              </a:lnSpc>
+            </a:pPr>
+            <a:r>
+              <a:rPr lang="zh-CN" altLang="en-US" sz="1200" b="1" dirty="0">
+                <a:latin typeface="微软雅黑" panose="020B0503020204020204" pitchFamily="34" charset="-122"/>
+                <a:ea typeface="微软雅黑" panose="020B0503020204020204" pitchFamily="34" charset="-122"/>
+              </a:rPr>
+              <a:t>编程语言：</a:t>
+            </a:r>
+            <a:r>
+              <a:rPr lang="en-US" altLang="zh-CN" sz="1200" dirty="0">
+                <a:latin typeface="微软雅黑" panose="020B0503020204020204" pitchFamily="34" charset="-122"/>
+                <a:ea typeface="微软雅黑" panose="020B0503020204020204" pitchFamily="34" charset="-122"/>
+              </a:rPr>
+              <a:t>Python</a:t>
+            </a:r>
+            <a:r>
+              <a:rPr lang="zh-CN" altLang="en-US" sz="1200" dirty="0">
+                <a:latin typeface="微软雅黑" panose="020B0503020204020204" pitchFamily="34" charset="-122"/>
+                <a:ea typeface="微软雅黑" panose="020B0503020204020204" pitchFamily="34" charset="-122"/>
+              </a:rPr>
+              <a:t>、</a:t>
+            </a:r>
+            <a:r>
+              <a:rPr lang="en-US" altLang="zh-CN" sz="1200" dirty="0">
+                <a:latin typeface="微软雅黑" panose="020B0503020204020204" pitchFamily="34" charset="-122"/>
+                <a:ea typeface="微软雅黑" panose="020B0503020204020204" pitchFamily="34" charset="-122"/>
+              </a:rPr>
+              <a:t>Java</a:t>
+            </a:r>
+          </a:p>
+          <a:p>
+            <a:pPr>
+              <a:lnSpc>
+                <a:spcPct val="130000"/>
+              </a:lnSpc>
+            </a:pPr>
+            <a:r>
+              <a:rPr lang="zh-CN" altLang="en-US" sz="1200" b="1" dirty="0">
+                <a:latin typeface="微软雅黑" panose="020B0503020204020204" pitchFamily="34" charset="-122"/>
+                <a:ea typeface="微软雅黑" panose="020B0503020204020204" pitchFamily="34" charset="-122"/>
+              </a:rPr>
+              <a:t>软技能：</a:t>
+            </a:r>
+            <a:r>
+              <a:rPr lang="zh-CN" altLang="en-US" sz="1200" dirty="0">
+                <a:latin typeface="微软雅黑" panose="020B0503020204020204" pitchFamily="34" charset="-122"/>
+                <a:ea typeface="微软雅黑" panose="020B0503020204020204" pitchFamily="34" charset="-122"/>
+              </a:rPr>
+              <a:t>团队管理（15人团队）、跨部门协同、方案设计与汇报</a:t>
             </a:r>
           </a:p>
         </p:txBody>
